--- a/참고/자바최종.pptx
+++ b/참고/자바최종.pptx
@@ -202,7 +202,7 @@
           <a:p>
             <a:fld id="{0AE2E029-07BE-403F-A32A-64BED9C915F3}" type="datetimeFigureOut">
               <a:rPr lang="ko-KR" altLang="en-US" smtClean="0"/>
-              <a:t>2019-12-03</a:t>
+              <a:t>2019-12-08</a:t>
             </a:fld>
             <a:endParaRPr lang="ko-KR" altLang="en-US"/>
           </a:p>
@@ -1250,11 +1250,19 @@
             </a:pPr>
             <a:r>
               <a:rPr lang="en-US" altLang="ko-KR" dirty="0"/>
-              <a:t>DB Table </a:t>
+              <a:t>DB </a:t>
             </a:r>
             <a:r>
               <a:rPr lang="ko-KR" altLang="en-US" dirty="0"/>
-              <a:t>하나만 쓰려고 </a:t>
+              <a:t>테이블을</a:t>
+            </a:r>
+            <a:r>
+              <a:rPr lang="en-US" altLang="ko-KR" dirty="0"/>
+              <a:t> </a:t>
+            </a:r>
+            <a:r>
+              <a:rPr lang="ko-KR" altLang="en-US" dirty="0"/>
+              <a:t>회원 하나만 쓰려고 </a:t>
             </a:r>
             <a:r>
               <a:rPr lang="ko-KR" altLang="en-US" dirty="0" err="1"/>
@@ -1262,7 +1270,7 @@
             </a:r>
             <a:r>
               <a:rPr lang="ko-KR" altLang="en-US" dirty="0"/>
-              <a:t> 이틀 고생하고 테이블 하나 더 늘렸더니 문제가 바로 해결되더라구요 이래서 인생은 정직하게 </a:t>
+              <a:t> 이틀 고생하고 객실 테이블 하나 더 늘렸더니 문제가 바로 해결되더라구요 이래서 인생은 정직하게 </a:t>
             </a:r>
             <a:r>
               <a:rPr lang="ko-KR" altLang="en-US" dirty="0" err="1"/>
@@ -1806,7 +1814,7 @@
           <a:p>
             <a:fld id="{B2A3C345-CC9F-4AEF-AD00-404DF15FBAEF}" type="datetimeFigureOut">
               <a:rPr lang="ko-KR" altLang="en-US" smtClean="0"/>
-              <a:t>2019-12-03</a:t>
+              <a:t>2019-12-08</a:t>
             </a:fld>
             <a:endParaRPr lang="ko-KR" altLang="en-US"/>
           </a:p>
@@ -1985,7 +1993,7 @@
           <a:p>
             <a:fld id="{B2A3C345-CC9F-4AEF-AD00-404DF15FBAEF}" type="datetimeFigureOut">
               <a:rPr lang="ko-KR" altLang="en-US" smtClean="0"/>
-              <a:t>2019-12-03</a:t>
+              <a:t>2019-12-08</a:t>
             </a:fld>
             <a:endParaRPr lang="ko-KR" altLang="en-US"/>
           </a:p>
@@ -2165,7 +2173,7 @@
           <a:p>
             <a:fld id="{B2A3C345-CC9F-4AEF-AD00-404DF15FBAEF}" type="datetimeFigureOut">
               <a:rPr lang="ko-KR" altLang="en-US" smtClean="0"/>
-              <a:t>2019-12-03</a:t>
+              <a:t>2019-12-08</a:t>
             </a:fld>
             <a:endParaRPr lang="ko-KR" altLang="en-US"/>
           </a:p>
@@ -2335,7 +2343,7 @@
           <a:p>
             <a:fld id="{B2A3C345-CC9F-4AEF-AD00-404DF15FBAEF}" type="datetimeFigureOut">
               <a:rPr lang="ko-KR" altLang="en-US" smtClean="0"/>
-              <a:t>2019-12-03</a:t>
+              <a:t>2019-12-08</a:t>
             </a:fld>
             <a:endParaRPr lang="ko-KR" altLang="en-US"/>
           </a:p>
@@ -2693,7 +2701,7 @@
           <a:p>
             <a:fld id="{B2A3C345-CC9F-4AEF-AD00-404DF15FBAEF}" type="datetimeFigureOut">
               <a:rPr lang="ko-KR" altLang="en-US" smtClean="0"/>
-              <a:t>2019-12-03</a:t>
+              <a:t>2019-12-08</a:t>
             </a:fld>
             <a:endParaRPr lang="ko-KR" altLang="en-US"/>
           </a:p>
@@ -3124,7 +3132,7 @@
           <a:p>
             <a:fld id="{B2A3C345-CC9F-4AEF-AD00-404DF15FBAEF}" type="datetimeFigureOut">
               <a:rPr lang="ko-KR" altLang="en-US" smtClean="0"/>
-              <a:t>2019-12-03</a:t>
+              <a:t>2019-12-08</a:t>
             </a:fld>
             <a:endParaRPr lang="ko-KR" altLang="en-US"/>
           </a:p>
@@ -3558,7 +3566,7 @@
           <a:p>
             <a:fld id="{B2A3C345-CC9F-4AEF-AD00-404DF15FBAEF}" type="datetimeFigureOut">
               <a:rPr lang="ko-KR" altLang="en-US" smtClean="0"/>
-              <a:t>2019-12-03</a:t>
+              <a:t>2019-12-08</a:t>
             </a:fld>
             <a:endParaRPr lang="ko-KR" altLang="en-US"/>
           </a:p>
@@ -3681,7 +3689,7 @@
           <a:p>
             <a:fld id="{B2A3C345-CC9F-4AEF-AD00-404DF15FBAEF}" type="datetimeFigureOut">
               <a:rPr lang="ko-KR" altLang="en-US" smtClean="0"/>
-              <a:t>2019-12-03</a:t>
+              <a:t>2019-12-08</a:t>
             </a:fld>
             <a:endParaRPr lang="ko-KR" altLang="en-US"/>
           </a:p>
@@ -3822,7 +3830,7 @@
           <a:p>
             <a:fld id="{B2A3C345-CC9F-4AEF-AD00-404DF15FBAEF}" type="datetimeFigureOut">
               <a:rPr lang="ko-KR" altLang="en-US" smtClean="0"/>
-              <a:t>2019-12-03</a:t>
+              <a:t>2019-12-08</a:t>
             </a:fld>
             <a:endParaRPr lang="ko-KR" altLang="en-US"/>
           </a:p>
@@ -4172,7 +4180,7 @@
           <a:p>
             <a:fld id="{B2A3C345-CC9F-4AEF-AD00-404DF15FBAEF}" type="datetimeFigureOut">
               <a:rPr lang="ko-KR" altLang="en-US" smtClean="0"/>
-              <a:t>2019-12-03</a:t>
+              <a:t>2019-12-08</a:t>
             </a:fld>
             <a:endParaRPr lang="ko-KR" altLang="en-US"/>
           </a:p>
@@ -4597,7 +4605,7 @@
           <a:p>
             <a:fld id="{B2A3C345-CC9F-4AEF-AD00-404DF15FBAEF}" type="datetimeFigureOut">
               <a:rPr lang="ko-KR" altLang="en-US" smtClean="0"/>
-              <a:t>2019-12-03</a:t>
+              <a:t>2019-12-08</a:t>
             </a:fld>
             <a:endParaRPr lang="ko-KR" altLang="en-US"/>
           </a:p>
@@ -4878,7 +4886,7 @@
           <a:p>
             <a:fld id="{B2A3C345-CC9F-4AEF-AD00-404DF15FBAEF}" type="datetimeFigureOut">
               <a:rPr lang="ko-KR" altLang="en-US" smtClean="0"/>
-              <a:t>2019-12-03</a:t>
+              <a:t>2019-12-08</a:t>
             </a:fld>
             <a:endParaRPr lang="ko-KR" altLang="en-US"/>
           </a:p>
